--- a/Documentation/erdiagram.pptx
+++ b/Documentation/erdiagram.pptx
@@ -3537,8 +3537,8 @@
         </p:nvSpPr>
         <p:spPr>
           <a:xfrm>
-            <a:off x="2340407" y="1832264"/>
-            <a:ext cx="1586815" cy="685800"/>
+            <a:off x="2340408" y="2002546"/>
+            <a:ext cx="1211080" cy="459069"/>
           </a:xfrm>
           <a:prstGeom prst="ellipse">
             <a:avLst/>
@@ -3675,7 +3675,7 @@
         </p:nvSpPr>
         <p:spPr>
           <a:xfrm>
-            <a:off x="5539356" y="4134305"/>
+            <a:off x="5362377" y="3481268"/>
             <a:ext cx="1775844" cy="685800"/>
           </a:xfrm>
           <a:prstGeom prst="ellipse">
@@ -3738,11 +3738,7 @@
             <a:pPr algn="ctr"/>
             <a:r>
               <a:rPr lang="en-US" dirty="0" err="1" smtClean="0"/>
-              <a:t>memberN</a:t>
-            </a:r>
-            <a:r>
-              <a:rPr lang="en-US" dirty="0" err="1" smtClean="0"/>
-              <a:t>ame</a:t>
+              <a:t>memberName</a:t>
             </a:r>
             <a:endParaRPr lang="en-US" dirty="0"/>
           </a:p>
@@ -3773,11 +3769,7 @@
             <a:pPr algn="ctr"/>
             <a:r>
               <a:rPr lang="en-US" u="sng" dirty="0" err="1" smtClean="0"/>
-              <a:t>m</a:t>
-            </a:r>
-            <a:r>
-              <a:rPr lang="en-US" u="sng" dirty="0" err="1" smtClean="0"/>
-              <a:t>emberId</a:t>
+              <a:t>memberId</a:t>
             </a:r>
             <a:endParaRPr lang="en-US" u="sng" dirty="0"/>
           </a:p>
@@ -3868,8 +3860,8 @@
         </p:nvSpPr>
         <p:spPr>
           <a:xfrm>
-            <a:off x="4050427" y="1775815"/>
-            <a:ext cx="1586815" cy="685800"/>
+            <a:off x="3666323" y="2009618"/>
+            <a:ext cx="1210131" cy="438482"/>
           </a:xfrm>
           <a:prstGeom prst="ellipse">
             <a:avLst/>
@@ -3914,8 +3906,8 @@
         </p:nvSpPr>
         <p:spPr>
           <a:xfrm>
-            <a:off x="5847809" y="1837117"/>
-            <a:ext cx="1586815" cy="685800"/>
+            <a:off x="4847182" y="2252429"/>
+            <a:ext cx="1586815" cy="328633"/>
           </a:xfrm>
           <a:prstGeom prst="ellipse">
             <a:avLst/>
@@ -3960,7 +3952,7 @@
         </p:nvSpPr>
         <p:spPr>
           <a:xfrm>
-            <a:off x="2610213" y="2009618"/>
+            <a:off x="2446452" y="2009618"/>
             <a:ext cx="998991" cy="369332"/>
           </a:xfrm>
           <a:prstGeom prst="rect">
@@ -3991,7 +3983,7 @@
         </p:nvSpPr>
         <p:spPr>
           <a:xfrm>
-            <a:off x="4315428" y="1934049"/>
+            <a:off x="3780414" y="2047414"/>
             <a:ext cx="998991" cy="369332"/>
           </a:xfrm>
           <a:prstGeom prst="rect">
@@ -4022,7 +4014,7 @@
         </p:nvSpPr>
         <p:spPr>
           <a:xfrm>
-            <a:off x="6313974" y="2002546"/>
+            <a:off x="5281112" y="2207799"/>
             <a:ext cx="516488" cy="369332"/>
           </a:xfrm>
           <a:prstGeom prst="rect">
@@ -4053,8 +4045,8 @@
         </p:nvSpPr>
         <p:spPr>
           <a:xfrm>
-            <a:off x="6173140" y="2920939"/>
-            <a:ext cx="1586815" cy="685800"/>
+            <a:off x="5685838" y="2722378"/>
+            <a:ext cx="1289576" cy="412414"/>
           </a:xfrm>
           <a:prstGeom prst="ellipse">
             <a:avLst/>
@@ -4099,7 +4091,7 @@
         </p:nvSpPr>
         <p:spPr>
           <a:xfrm>
-            <a:off x="6498470" y="3079173"/>
+            <a:off x="5806937" y="2743919"/>
             <a:ext cx="936154" cy="369332"/>
           </a:xfrm>
           <a:prstGeom prst="rect">
@@ -4130,7 +4122,7 @@
         </p:nvSpPr>
         <p:spPr>
           <a:xfrm>
-            <a:off x="5806937" y="4292539"/>
+            <a:off x="5750821" y="3660302"/>
             <a:ext cx="1159610" cy="369332"/>
           </a:xfrm>
           <a:prstGeom prst="rect">
@@ -4199,9 +4191,9 @@
           <p:nvPr/>
         </p:nvCxnSpPr>
         <p:spPr>
-          <a:xfrm flipH="1">
-            <a:off x="4112511" y="2400313"/>
-            <a:ext cx="334798" cy="779293"/>
+          <a:xfrm>
+            <a:off x="4112510" y="2400313"/>
+            <a:ext cx="1" cy="779293"/>
           </a:xfrm>
           <a:prstGeom prst="line">
             <a:avLst/>
@@ -4258,15 +4250,14 @@
         <p:nvCxnSpPr>
           <p:cNvPr id="32" name="Straight Connector 31"/>
           <p:cNvCxnSpPr>
-            <a:stCxn id="17" idx="3"/>
             <a:endCxn id="9" idx="7"/>
           </p:cNvCxnSpPr>
           <p:nvPr/>
         </p:nvCxnSpPr>
         <p:spPr>
           <a:xfrm flipH="1">
-            <a:off x="4673534" y="2422484"/>
-            <a:ext cx="1406659" cy="857555"/>
+            <a:off x="4673534" y="2577131"/>
+            <a:ext cx="698061" cy="702908"/>
           </a:xfrm>
           <a:prstGeom prst="line">
             <a:avLst/>
@@ -4291,15 +4282,14 @@
         <p:nvCxnSpPr>
           <p:cNvPr id="35" name="Straight Connector 34"/>
           <p:cNvCxnSpPr>
-            <a:stCxn id="22" idx="2"/>
             <a:endCxn id="9" idx="6"/>
           </p:cNvCxnSpPr>
           <p:nvPr/>
         </p:nvCxnSpPr>
         <p:spPr>
           <a:xfrm flipH="1">
-            <a:off x="4905918" y="3263839"/>
-            <a:ext cx="1267222" cy="258667"/>
+            <a:off x="4905918" y="3113251"/>
+            <a:ext cx="901019" cy="409255"/>
           </a:xfrm>
           <a:prstGeom prst="line">
             <a:avLst/>
@@ -4387,14 +4377,13 @@
           <p:cNvPr id="41" name="Straight Connector 40"/>
           <p:cNvCxnSpPr>
             <a:stCxn id="6" idx="3"/>
-            <a:endCxn id="11" idx="2"/>
           </p:cNvCxnSpPr>
           <p:nvPr/>
         </p:nvCxnSpPr>
         <p:spPr>
           <a:xfrm flipV="1">
-            <a:off x="4814924" y="4477205"/>
-            <a:ext cx="724432" cy="142101"/>
+            <a:off x="4814924" y="3949638"/>
+            <a:ext cx="645540" cy="669668"/>
           </a:xfrm>
           <a:prstGeom prst="line">
             <a:avLst/>
@@ -4499,7 +4488,7 @@
         </p:nvSpPr>
         <p:spPr>
           <a:xfrm>
-            <a:off x="5677281" y="5135479"/>
+            <a:off x="5822232" y="4306970"/>
             <a:ext cx="1153182" cy="527566"/>
           </a:xfrm>
           <a:prstGeom prst="ellipse">
@@ -4545,7 +4534,7 @@
         </p:nvSpPr>
         <p:spPr>
           <a:xfrm>
-            <a:off x="5980700" y="5214596"/>
+            <a:off x="6139938" y="4399114"/>
             <a:ext cx="517770" cy="369332"/>
           </a:xfrm>
           <a:prstGeom prst="rect">
@@ -4605,13 +4594,14 @@
           <p:cNvPr id="62" name="Straight Connector 61"/>
           <p:cNvCxnSpPr>
             <a:stCxn id="43" idx="2"/>
+            <a:endCxn id="6" idx="3"/>
           </p:cNvCxnSpPr>
           <p:nvPr/>
         </p:nvCxnSpPr>
         <p:spPr>
-          <a:xfrm flipH="1" flipV="1">
-            <a:off x="4843835" y="4891156"/>
-            <a:ext cx="833446" cy="508106"/>
+          <a:xfrm flipH="1">
+            <a:off x="4814924" y="4570753"/>
+            <a:ext cx="1007308" cy="48553"/>
           </a:xfrm>
           <a:prstGeom prst="line">
             <a:avLst/>
@@ -4703,11 +4693,7 @@
             <a:pPr algn="ctr"/>
             <a:r>
               <a:rPr lang="en-US" dirty="0" err="1" smtClean="0"/>
-              <a:t>firstN</a:t>
-            </a:r>
-            <a:r>
-              <a:rPr lang="en-US" dirty="0" err="1" smtClean="0"/>
-              <a:t>ame</a:t>
+              <a:t>firstName</a:t>
             </a:r>
             <a:endParaRPr lang="en-US" dirty="0"/>
           </a:p>
@@ -4784,11 +4770,7 @@
             <a:pPr algn="ctr"/>
             <a:r>
               <a:rPr lang="en-US" dirty="0" err="1" smtClean="0"/>
-              <a:t>middleN</a:t>
-            </a:r>
-            <a:r>
-              <a:rPr lang="en-US" dirty="0" err="1" smtClean="0"/>
-              <a:t>ame</a:t>
+              <a:t>middleName</a:t>
             </a:r>
             <a:endParaRPr lang="en-US" dirty="0"/>
           </a:p>
@@ -4865,11 +4847,7 @@
             <a:pPr algn="ctr"/>
             <a:r>
               <a:rPr lang="en-US" dirty="0" err="1" smtClean="0"/>
-              <a:t>lastN</a:t>
-            </a:r>
-            <a:r>
-              <a:rPr lang="en-US" dirty="0" err="1" smtClean="0"/>
-              <a:t>ame</a:t>
+              <a:t>lastName</a:t>
             </a:r>
             <a:endParaRPr lang="en-US" dirty="0"/>
           </a:p>
@@ -4975,7 +4953,7 @@
         </p:nvSpPr>
         <p:spPr>
           <a:xfrm>
-            <a:off x="5659163" y="4196009"/>
+            <a:off x="5460464" y="3561623"/>
             <a:ext cx="1586815" cy="536912"/>
           </a:xfrm>
           <a:prstGeom prst="ellipse">
@@ -5013,6 +4991,220 @@
           </a:p>
         </p:txBody>
       </p:sp>
+      <p:sp>
+        <p:nvSpPr>
+          <p:cNvPr id="45" name="Oval 44"/>
+          <p:cNvSpPr/>
+          <p:nvPr/>
+        </p:nvSpPr>
+        <p:spPr>
+          <a:xfrm>
+            <a:off x="3701799" y="5478379"/>
+            <a:ext cx="1987868" cy="527566"/>
+          </a:xfrm>
+          <a:prstGeom prst="ellipse">
+            <a:avLst/>
+          </a:prstGeom>
+          <a:noFill/>
+          <a:ln>
+            <a:solidFill>
+              <a:schemeClr val="tx1"/>
+            </a:solidFill>
+          </a:ln>
+        </p:spPr>
+        <p:style>
+          <a:lnRef idx="2">
+            <a:schemeClr val="accent1">
+              <a:shade val="50000"/>
+            </a:schemeClr>
+          </a:lnRef>
+          <a:fillRef idx="1">
+            <a:schemeClr val="accent1"/>
+          </a:fillRef>
+          <a:effectRef idx="0">
+            <a:schemeClr val="accent1"/>
+          </a:effectRef>
+          <a:fontRef idx="minor">
+            <a:schemeClr val="lt1"/>
+          </a:fontRef>
+        </p:style>
+        <p:txBody>
+          <a:bodyPr rtlCol="0" anchor="ctr"/>
+          <a:lstStyle/>
+          <a:p>
+            <a:pPr algn="ctr"/>
+            <a:endParaRPr lang="en-US"/>
+          </a:p>
+        </p:txBody>
+      </p:sp>
+      <p:sp>
+        <p:nvSpPr>
+          <p:cNvPr id="3" name="TextBox 2"/>
+          <p:cNvSpPr txBox="1"/>
+          <p:nvPr/>
+        </p:nvSpPr>
+        <p:spPr>
+          <a:xfrm>
+            <a:off x="3808498" y="5557496"/>
+            <a:ext cx="1730858" cy="369332"/>
+          </a:xfrm>
+          <a:prstGeom prst="rect">
+            <a:avLst/>
+          </a:prstGeom>
+          <a:noFill/>
+        </p:spPr>
+        <p:txBody>
+          <a:bodyPr wrap="none" rtlCol="0">
+            <a:spAutoFit/>
+          </a:bodyPr>
+          <a:lstStyle/>
+          <a:p>
+            <a:r>
+              <a:rPr lang="en-US" dirty="0" err="1" smtClean="0"/>
+              <a:t>alternateEmailId</a:t>
+            </a:r>
+            <a:endParaRPr lang="en-US" dirty="0"/>
+          </a:p>
+        </p:txBody>
+      </p:sp>
+      <p:sp>
+        <p:nvSpPr>
+          <p:cNvPr id="66" name="Oval 65"/>
+          <p:cNvSpPr/>
+          <p:nvPr/>
+        </p:nvSpPr>
+        <p:spPr>
+          <a:xfrm>
+            <a:off x="5952680" y="5029930"/>
+            <a:ext cx="1153182" cy="527566"/>
+          </a:xfrm>
+          <a:prstGeom prst="ellipse">
+            <a:avLst/>
+          </a:prstGeom>
+          <a:noFill/>
+          <a:ln>
+            <a:solidFill>
+              <a:schemeClr val="tx1"/>
+            </a:solidFill>
+          </a:ln>
+        </p:spPr>
+        <p:style>
+          <a:lnRef idx="2">
+            <a:schemeClr val="accent1">
+              <a:shade val="50000"/>
+            </a:schemeClr>
+          </a:lnRef>
+          <a:fillRef idx="1">
+            <a:schemeClr val="accent1"/>
+          </a:fillRef>
+          <a:effectRef idx="0">
+            <a:schemeClr val="accent1"/>
+          </a:effectRef>
+          <a:fontRef idx="minor">
+            <a:schemeClr val="lt1"/>
+          </a:fontRef>
+        </p:style>
+        <p:txBody>
+          <a:bodyPr rtlCol="0" anchor="ctr"/>
+          <a:lstStyle/>
+          <a:p>
+            <a:pPr algn="ctr"/>
+            <a:endParaRPr lang="en-US"/>
+          </a:p>
+        </p:txBody>
+      </p:sp>
+      <p:sp>
+        <p:nvSpPr>
+          <p:cNvPr id="68" name="TextBox 67"/>
+          <p:cNvSpPr txBox="1"/>
+          <p:nvPr/>
+        </p:nvSpPr>
+        <p:spPr>
+          <a:xfrm>
+            <a:off x="6089087" y="5081521"/>
+            <a:ext cx="880369" cy="369332"/>
+          </a:xfrm>
+          <a:prstGeom prst="rect">
+            <a:avLst/>
+          </a:prstGeom>
+          <a:noFill/>
+        </p:spPr>
+        <p:txBody>
+          <a:bodyPr wrap="none" rtlCol="0">
+            <a:spAutoFit/>
+          </a:bodyPr>
+          <a:lstStyle/>
+          <a:p>
+            <a:r>
+              <a:rPr lang="en-US" dirty="0" err="1" smtClean="0"/>
+              <a:t>emailId</a:t>
+            </a:r>
+            <a:endParaRPr lang="en-US" dirty="0"/>
+          </a:p>
+        </p:txBody>
+      </p:sp>
+      <p:cxnSp>
+        <p:nvCxnSpPr>
+          <p:cNvPr id="56" name="Straight Connector 55"/>
+          <p:cNvCxnSpPr/>
+          <p:nvPr/>
+        </p:nvCxnSpPr>
+        <p:spPr>
+          <a:xfrm>
+            <a:off x="4400020" y="4978339"/>
+            <a:ext cx="168000" cy="500040"/>
+          </a:xfrm>
+          <a:prstGeom prst="line">
+            <a:avLst/>
+          </a:prstGeom>
+        </p:spPr>
+        <p:style>
+          <a:lnRef idx="1">
+            <a:schemeClr val="accent1"/>
+          </a:lnRef>
+          <a:fillRef idx="0">
+            <a:schemeClr val="accent1"/>
+          </a:fillRef>
+          <a:effectRef idx="0">
+            <a:schemeClr val="accent1"/>
+          </a:effectRef>
+          <a:fontRef idx="minor">
+            <a:schemeClr val="tx1"/>
+          </a:fontRef>
+        </p:style>
+      </p:cxnSp>
+      <p:cxnSp>
+        <p:nvCxnSpPr>
+          <p:cNvPr id="58" name="Straight Connector 57"/>
+          <p:cNvCxnSpPr>
+            <a:endCxn id="66" idx="1"/>
+          </p:cNvCxnSpPr>
+          <p:nvPr/>
+        </p:nvCxnSpPr>
+        <p:spPr>
+          <a:xfrm>
+            <a:off x="4814924" y="4834536"/>
+            <a:ext cx="1306636" cy="272654"/>
+          </a:xfrm>
+          <a:prstGeom prst="line">
+            <a:avLst/>
+          </a:prstGeom>
+        </p:spPr>
+        <p:style>
+          <a:lnRef idx="1">
+            <a:schemeClr val="accent1"/>
+          </a:lnRef>
+          <a:fillRef idx="0">
+            <a:schemeClr val="accent1"/>
+          </a:fillRef>
+          <a:effectRef idx="0">
+            <a:schemeClr val="accent1"/>
+          </a:effectRef>
+          <a:fontRef idx="minor">
+            <a:schemeClr val="tx1"/>
+          </a:fontRef>
+        </p:style>
+      </p:cxnSp>
     </p:spTree>
     <p:extLst>
       <p:ext uri="{BB962C8B-B14F-4D97-AF65-F5344CB8AC3E}">
@@ -5982,6 +6174,335 @@
           <a:xfrm flipV="1">
             <a:off x="4708146" y="2034336"/>
             <a:ext cx="520654" cy="785064"/>
+          </a:xfrm>
+          <a:prstGeom prst="line">
+            <a:avLst/>
+          </a:prstGeom>
+        </p:spPr>
+        <p:style>
+          <a:lnRef idx="1">
+            <a:schemeClr val="accent1"/>
+          </a:lnRef>
+          <a:fillRef idx="0">
+            <a:schemeClr val="accent1"/>
+          </a:fillRef>
+          <a:effectRef idx="0">
+            <a:schemeClr val="accent1"/>
+          </a:effectRef>
+          <a:fontRef idx="minor">
+            <a:schemeClr val="tx1"/>
+          </a:fontRef>
+        </p:style>
+      </p:cxnSp>
+      <p:sp>
+        <p:nvSpPr>
+          <p:cNvPr id="29" name="Oval 28"/>
+          <p:cNvSpPr/>
+          <p:nvPr/>
+        </p:nvSpPr>
+        <p:spPr>
+          <a:xfrm>
+            <a:off x="2954375" y="4603599"/>
+            <a:ext cx="1258482" cy="519351"/>
+          </a:xfrm>
+          <a:prstGeom prst="ellipse">
+            <a:avLst/>
+          </a:prstGeom>
+          <a:noFill/>
+          <a:ln>
+            <a:solidFill>
+              <a:schemeClr val="tx1"/>
+            </a:solidFill>
+          </a:ln>
+        </p:spPr>
+        <p:style>
+          <a:lnRef idx="2">
+            <a:schemeClr val="accent1">
+              <a:shade val="50000"/>
+            </a:schemeClr>
+          </a:lnRef>
+          <a:fillRef idx="1">
+            <a:schemeClr val="accent1"/>
+          </a:fillRef>
+          <a:effectRef idx="0">
+            <a:schemeClr val="accent1"/>
+          </a:effectRef>
+          <a:fontRef idx="minor">
+            <a:schemeClr val="lt1"/>
+          </a:fontRef>
+        </p:style>
+        <p:txBody>
+          <a:bodyPr wrap="square" rtlCol="0" anchor="ctr">
+            <a:spAutoFit/>
+          </a:bodyPr>
+          <a:lstStyle/>
+          <a:p>
+            <a:pPr algn="ctr"/>
+            <a:endParaRPr lang="en-US"/>
+          </a:p>
+        </p:txBody>
+      </p:sp>
+      <p:sp>
+        <p:nvSpPr>
+          <p:cNvPr id="30" name="Oval 29"/>
+          <p:cNvSpPr/>
+          <p:nvPr/>
+        </p:nvSpPr>
+        <p:spPr>
+          <a:xfrm>
+            <a:off x="1125610" y="4419600"/>
+            <a:ext cx="1258482" cy="519351"/>
+          </a:xfrm>
+          <a:prstGeom prst="ellipse">
+            <a:avLst/>
+          </a:prstGeom>
+          <a:noFill/>
+          <a:ln>
+            <a:solidFill>
+              <a:schemeClr val="tx1"/>
+            </a:solidFill>
+          </a:ln>
+        </p:spPr>
+        <p:style>
+          <a:lnRef idx="2">
+            <a:schemeClr val="accent1">
+              <a:shade val="50000"/>
+            </a:schemeClr>
+          </a:lnRef>
+          <a:fillRef idx="1">
+            <a:schemeClr val="accent1"/>
+          </a:fillRef>
+          <a:effectRef idx="0">
+            <a:schemeClr val="accent1"/>
+          </a:effectRef>
+          <a:fontRef idx="minor">
+            <a:schemeClr val="lt1"/>
+          </a:fontRef>
+        </p:style>
+        <p:txBody>
+          <a:bodyPr wrap="square" rtlCol="0" anchor="ctr">
+            <a:spAutoFit/>
+          </a:bodyPr>
+          <a:lstStyle/>
+          <a:p>
+            <a:pPr algn="ctr"/>
+            <a:endParaRPr lang="en-US"/>
+          </a:p>
+        </p:txBody>
+      </p:sp>
+      <p:sp>
+        <p:nvSpPr>
+          <p:cNvPr id="5" name="TextBox 4"/>
+          <p:cNvSpPr txBox="1"/>
+          <p:nvPr/>
+        </p:nvSpPr>
+        <p:spPr>
+          <a:xfrm>
+            <a:off x="1419983" y="4494609"/>
+            <a:ext cx="669735" cy="369332"/>
+          </a:xfrm>
+          <a:prstGeom prst="rect">
+            <a:avLst/>
+          </a:prstGeom>
+          <a:noFill/>
+        </p:spPr>
+        <p:txBody>
+          <a:bodyPr wrap="none" rtlCol="0">
+            <a:spAutoFit/>
+          </a:bodyPr>
+          <a:lstStyle/>
+          <a:p>
+            <a:r>
+              <a:rPr lang="en-US" dirty="0" smtClean="0"/>
+              <a:t>actor</a:t>
+            </a:r>
+            <a:endParaRPr lang="en-US" dirty="0"/>
+          </a:p>
+        </p:txBody>
+      </p:sp>
+      <p:sp>
+        <p:nvSpPr>
+          <p:cNvPr id="31" name="TextBox 30"/>
+          <p:cNvSpPr txBox="1"/>
+          <p:nvPr/>
+        </p:nvSpPr>
+        <p:spPr>
+          <a:xfrm>
+            <a:off x="3187220" y="4679275"/>
+            <a:ext cx="842090" cy="369332"/>
+          </a:xfrm>
+          <a:prstGeom prst="rect">
+            <a:avLst/>
+          </a:prstGeom>
+          <a:noFill/>
+        </p:spPr>
+        <p:txBody>
+          <a:bodyPr wrap="none" rtlCol="0">
+            <a:spAutoFit/>
+          </a:bodyPr>
+          <a:lstStyle/>
+          <a:p>
+            <a:r>
+              <a:rPr lang="en-US" dirty="0" smtClean="0"/>
+              <a:t>actress</a:t>
+            </a:r>
+            <a:endParaRPr lang="en-US" dirty="0"/>
+          </a:p>
+        </p:txBody>
+      </p:sp>
+      <p:sp>
+        <p:nvSpPr>
+          <p:cNvPr id="32" name="Oval 31"/>
+          <p:cNvSpPr/>
+          <p:nvPr/>
+        </p:nvSpPr>
+        <p:spPr>
+          <a:xfrm>
+            <a:off x="4664510" y="4529256"/>
+            <a:ext cx="1258482" cy="519351"/>
+          </a:xfrm>
+          <a:prstGeom prst="ellipse">
+            <a:avLst/>
+          </a:prstGeom>
+          <a:noFill/>
+          <a:ln>
+            <a:solidFill>
+              <a:schemeClr val="tx1"/>
+            </a:solidFill>
+          </a:ln>
+        </p:spPr>
+        <p:style>
+          <a:lnRef idx="2">
+            <a:schemeClr val="accent1">
+              <a:shade val="50000"/>
+            </a:schemeClr>
+          </a:lnRef>
+          <a:fillRef idx="1">
+            <a:schemeClr val="accent1"/>
+          </a:fillRef>
+          <a:effectRef idx="0">
+            <a:schemeClr val="accent1"/>
+          </a:effectRef>
+          <a:fontRef idx="minor">
+            <a:schemeClr val="lt1"/>
+          </a:fontRef>
+        </p:style>
+        <p:txBody>
+          <a:bodyPr wrap="square" rtlCol="0" anchor="ctr">
+            <a:spAutoFit/>
+          </a:bodyPr>
+          <a:lstStyle/>
+          <a:p>
+            <a:pPr algn="ctr"/>
+            <a:endParaRPr lang="en-US"/>
+          </a:p>
+        </p:txBody>
+      </p:sp>
+      <p:sp>
+        <p:nvSpPr>
+          <p:cNvPr id="33" name="TextBox 32"/>
+          <p:cNvSpPr txBox="1"/>
+          <p:nvPr/>
+        </p:nvSpPr>
+        <p:spPr>
+          <a:xfrm>
+            <a:off x="4891525" y="4626701"/>
+            <a:ext cx="926407" cy="369332"/>
+          </a:xfrm>
+          <a:prstGeom prst="rect">
+            <a:avLst/>
+          </a:prstGeom>
+          <a:noFill/>
+        </p:spPr>
+        <p:txBody>
+          <a:bodyPr wrap="none" rtlCol="0">
+            <a:spAutoFit/>
+          </a:bodyPr>
+          <a:lstStyle/>
+          <a:p>
+            <a:r>
+              <a:rPr lang="en-US" dirty="0" smtClean="0"/>
+              <a:t>director</a:t>
+            </a:r>
+            <a:endParaRPr lang="en-US" dirty="0"/>
+          </a:p>
+        </p:txBody>
+      </p:sp>
+      <p:cxnSp>
+        <p:nvCxnSpPr>
+          <p:cNvPr id="8" name="Straight Connector 7"/>
+          <p:cNvCxnSpPr>
+            <a:stCxn id="30" idx="7"/>
+          </p:cNvCxnSpPr>
+          <p:nvPr/>
+        </p:nvCxnSpPr>
+        <p:spPr>
+          <a:xfrm flipV="1">
+            <a:off x="2199792" y="3266675"/>
+            <a:ext cx="1465324" cy="1228982"/>
+          </a:xfrm>
+          <a:prstGeom prst="line">
+            <a:avLst/>
+          </a:prstGeom>
+        </p:spPr>
+        <p:style>
+          <a:lnRef idx="1">
+            <a:schemeClr val="accent1"/>
+          </a:lnRef>
+          <a:fillRef idx="0">
+            <a:schemeClr val="accent1"/>
+          </a:fillRef>
+          <a:effectRef idx="0">
+            <a:schemeClr val="accent1"/>
+          </a:effectRef>
+          <a:fontRef idx="minor">
+            <a:schemeClr val="tx1"/>
+          </a:fontRef>
+        </p:style>
+      </p:cxnSp>
+      <p:cxnSp>
+        <p:nvCxnSpPr>
+          <p:cNvPr id="38" name="Straight Connector 37"/>
+          <p:cNvCxnSpPr/>
+          <p:nvPr/>
+        </p:nvCxnSpPr>
+        <p:spPr>
+          <a:xfrm flipV="1">
+            <a:off x="3429000" y="3309361"/>
+            <a:ext cx="388516" cy="1338696"/>
+          </a:xfrm>
+          <a:prstGeom prst="line">
+            <a:avLst/>
+          </a:prstGeom>
+        </p:spPr>
+        <p:style>
+          <a:lnRef idx="1">
+            <a:schemeClr val="accent1"/>
+          </a:lnRef>
+          <a:fillRef idx="0">
+            <a:schemeClr val="accent1"/>
+          </a:fillRef>
+          <a:effectRef idx="0">
+            <a:schemeClr val="accent1"/>
+          </a:effectRef>
+          <a:fontRef idx="minor">
+            <a:schemeClr val="tx1"/>
+          </a:fontRef>
+        </p:style>
+      </p:cxnSp>
+      <p:cxnSp>
+        <p:nvCxnSpPr>
+          <p:cNvPr id="39" name="Straight Connector 38"/>
+          <p:cNvCxnSpPr>
+            <a:stCxn id="32" idx="1"/>
+            <a:endCxn id="3" idx="2"/>
+          </p:cNvCxnSpPr>
+          <p:nvPr/>
+        </p:nvCxnSpPr>
+        <p:spPr>
+          <a:xfrm flipH="1" flipV="1">
+            <a:off x="4267200" y="3276600"/>
+            <a:ext cx="581610" cy="1328713"/>
           </a:xfrm>
           <a:prstGeom prst="line">
             <a:avLst/>
@@ -6344,7 +6865,7 @@
         </p:nvSpPr>
         <p:spPr>
           <a:xfrm>
-            <a:off x="5969523" y="2057400"/>
+            <a:off x="5969523" y="1377582"/>
             <a:ext cx="1905000" cy="519351"/>
           </a:xfrm>
           <a:prstGeom prst="ellipse">
@@ -6392,7 +6913,7 @@
         </p:nvSpPr>
         <p:spPr>
           <a:xfrm>
-            <a:off x="6356226" y="2057400"/>
+            <a:off x="6462057" y="1440991"/>
             <a:ext cx="919932" cy="369332"/>
           </a:xfrm>
           <a:prstGeom prst="rect">
@@ -6419,13 +6940,14 @@
           <p:cNvPr id="22" name="Straight Connector 21"/>
           <p:cNvCxnSpPr>
             <a:stCxn id="4" idx="3"/>
+            <a:endCxn id="14" idx="2"/>
           </p:cNvCxnSpPr>
           <p:nvPr/>
         </p:nvCxnSpPr>
         <p:spPr>
-          <a:xfrm>
-            <a:off x="5099161" y="1736467"/>
-            <a:ext cx="1257065" cy="320933"/>
+          <a:xfrm flipV="1">
+            <a:off x="5099161" y="1637258"/>
+            <a:ext cx="870362" cy="99209"/>
           </a:xfrm>
           <a:prstGeom prst="line">
             <a:avLst/>
@@ -6562,7 +7084,7 @@
         </p:nvSpPr>
         <p:spPr>
           <a:xfrm>
-            <a:off x="5795293" y="3016063"/>
+            <a:off x="6181557" y="2403530"/>
             <a:ext cx="1905000" cy="519351"/>
           </a:xfrm>
           <a:prstGeom prst="ellipse">
@@ -6610,7 +7132,7 @@
         </p:nvSpPr>
         <p:spPr>
           <a:xfrm>
-            <a:off x="6271797" y="3115015"/>
+            <a:off x="6689864" y="2486007"/>
             <a:ext cx="888385" cy="369332"/>
           </a:xfrm>
           <a:prstGeom prst="rect">
@@ -6642,8 +7164,116 @@
         </p:nvCxnSpPr>
         <p:spPr>
           <a:xfrm>
-            <a:off x="4191000" y="2057400"/>
-            <a:ext cx="1883274" cy="1034720"/>
+            <a:off x="5099161" y="1884179"/>
+            <a:ext cx="1361377" cy="595408"/>
+          </a:xfrm>
+          <a:prstGeom prst="line">
+            <a:avLst/>
+          </a:prstGeom>
+        </p:spPr>
+        <p:style>
+          <a:lnRef idx="1">
+            <a:schemeClr val="accent1"/>
+          </a:lnRef>
+          <a:fillRef idx="0">
+            <a:schemeClr val="accent1"/>
+          </a:fillRef>
+          <a:effectRef idx="0">
+            <a:schemeClr val="accent1"/>
+          </a:effectRef>
+          <a:fontRef idx="minor">
+            <a:schemeClr val="tx1"/>
+          </a:fontRef>
+        </p:style>
+      </p:cxnSp>
+      <p:sp>
+        <p:nvSpPr>
+          <p:cNvPr id="19" name="Oval 18"/>
+          <p:cNvSpPr/>
+          <p:nvPr/>
+        </p:nvSpPr>
+        <p:spPr>
+          <a:xfrm>
+            <a:off x="5122125" y="3173293"/>
+            <a:ext cx="1905000" cy="519351"/>
+          </a:xfrm>
+          <a:prstGeom prst="ellipse">
+            <a:avLst/>
+          </a:prstGeom>
+          <a:noFill/>
+          <a:ln>
+            <a:solidFill>
+              <a:schemeClr val="tx1"/>
+            </a:solidFill>
+          </a:ln>
+        </p:spPr>
+        <p:style>
+          <a:lnRef idx="2">
+            <a:schemeClr val="accent1">
+              <a:shade val="50000"/>
+            </a:schemeClr>
+          </a:lnRef>
+          <a:fillRef idx="1">
+            <a:schemeClr val="accent1"/>
+          </a:fillRef>
+          <a:effectRef idx="0">
+            <a:schemeClr val="accent1"/>
+          </a:effectRef>
+          <a:fontRef idx="minor">
+            <a:schemeClr val="lt1"/>
+          </a:fontRef>
+        </p:style>
+        <p:txBody>
+          <a:bodyPr rtlCol="0" anchor="ctr">
+            <a:spAutoFit/>
+          </a:bodyPr>
+          <a:lstStyle/>
+          <a:p>
+            <a:pPr algn="ctr"/>
+            <a:endParaRPr lang="en-US"/>
+          </a:p>
+        </p:txBody>
+      </p:sp>
+      <p:sp>
+        <p:nvSpPr>
+          <p:cNvPr id="2" name="TextBox 1"/>
+          <p:cNvSpPr txBox="1"/>
+          <p:nvPr/>
+        </p:nvSpPr>
+        <p:spPr>
+          <a:xfrm>
+            <a:off x="5360114" y="3248303"/>
+            <a:ext cx="1642886" cy="369332"/>
+          </a:xfrm>
+          <a:prstGeom prst="rect">
+            <a:avLst/>
+          </a:prstGeom>
+          <a:noFill/>
+        </p:spPr>
+        <p:txBody>
+          <a:bodyPr wrap="none" rtlCol="0">
+            <a:spAutoFit/>
+          </a:bodyPr>
+          <a:lstStyle/>
+          <a:p>
+            <a:r>
+              <a:rPr lang="en-US" dirty="0" err="1" smtClean="0"/>
+              <a:t>depositAmount</a:t>
+            </a:r>
+            <a:endParaRPr lang="en-US" dirty="0"/>
+          </a:p>
+        </p:txBody>
+      </p:sp>
+      <p:cxnSp>
+        <p:nvCxnSpPr>
+          <p:cNvPr id="21" name="Straight Connector 20"/>
+          <p:cNvCxnSpPr/>
+          <p:nvPr/>
+        </p:nvCxnSpPr>
+        <p:spPr>
+          <a:xfrm>
+            <a:off x="4775321" y="2030858"/>
+            <a:ext cx="863479" cy="1142435"/>
           </a:xfrm>
           <a:prstGeom prst="line">
             <a:avLst/>
@@ -6896,11 +7526,7 @@
           <a:p>
             <a:r>
               <a:rPr lang="en-US" u="sng" dirty="0" err="1" smtClean="0"/>
-              <a:t>t</a:t>
-            </a:r>
-            <a:r>
-              <a:rPr lang="en-US" u="sng" dirty="0" err="1" smtClean="0"/>
-              <a:t>ypeId</a:t>
+              <a:t>typeId</a:t>
             </a:r>
             <a:endParaRPr lang="en-US" u="sng" dirty="0"/>
           </a:p>
@@ -7415,6 +8041,117 @@
           <a:xfrm>
             <a:off x="4843110" y="2844140"/>
             <a:ext cx="1835622" cy="813459"/>
+          </a:xfrm>
+          <a:prstGeom prst="line">
+            <a:avLst/>
+          </a:prstGeom>
+        </p:spPr>
+        <p:style>
+          <a:lnRef idx="1">
+            <a:schemeClr val="accent1"/>
+          </a:lnRef>
+          <a:fillRef idx="0">
+            <a:schemeClr val="accent1"/>
+          </a:fillRef>
+          <a:effectRef idx="0">
+            <a:schemeClr val="accent1"/>
+          </a:effectRef>
+          <a:fontRef idx="minor">
+            <a:schemeClr val="tx1"/>
+          </a:fontRef>
+        </p:style>
+      </p:cxnSp>
+      <p:sp>
+        <p:nvSpPr>
+          <p:cNvPr id="22" name="Oval 21"/>
+          <p:cNvSpPr/>
+          <p:nvPr/>
+        </p:nvSpPr>
+        <p:spPr>
+          <a:xfrm>
+            <a:off x="6383347" y="1732606"/>
+            <a:ext cx="1322892" cy="519351"/>
+          </a:xfrm>
+          <a:prstGeom prst="ellipse">
+            <a:avLst/>
+          </a:prstGeom>
+          <a:noFill/>
+          <a:ln>
+            <a:solidFill>
+              <a:schemeClr val="tx1"/>
+            </a:solidFill>
+          </a:ln>
+        </p:spPr>
+        <p:style>
+          <a:lnRef idx="2">
+            <a:schemeClr val="accent1">
+              <a:shade val="50000"/>
+            </a:schemeClr>
+          </a:lnRef>
+          <a:fillRef idx="1">
+            <a:schemeClr val="accent1"/>
+          </a:fillRef>
+          <a:effectRef idx="0">
+            <a:schemeClr val="accent1"/>
+          </a:effectRef>
+          <a:fontRef idx="minor">
+            <a:schemeClr val="lt1"/>
+          </a:fontRef>
+        </p:style>
+        <p:txBody>
+          <a:bodyPr wrap="square" rtlCol="0" anchor="ctr">
+            <a:spAutoFit/>
+          </a:bodyPr>
+          <a:lstStyle/>
+          <a:p>
+            <a:pPr algn="ctr"/>
+            <a:endParaRPr lang="en-US"/>
+          </a:p>
+        </p:txBody>
+      </p:sp>
+      <p:sp>
+        <p:nvSpPr>
+          <p:cNvPr id="5" name="TextBox 4"/>
+          <p:cNvSpPr txBox="1"/>
+          <p:nvPr/>
+        </p:nvSpPr>
+        <p:spPr>
+          <a:xfrm>
+            <a:off x="6681388" y="1796240"/>
+            <a:ext cx="743024" cy="369332"/>
+          </a:xfrm>
+          <a:prstGeom prst="rect">
+            <a:avLst/>
+          </a:prstGeom>
+          <a:noFill/>
+        </p:spPr>
+        <p:txBody>
+          <a:bodyPr wrap="none" rtlCol="0">
+            <a:spAutoFit/>
+          </a:bodyPr>
+          <a:lstStyle/>
+          <a:p>
+            <a:r>
+              <a:rPr lang="en-US" dirty="0" smtClean="0"/>
+              <a:t>status</a:t>
+            </a:r>
+            <a:endParaRPr lang="en-US" dirty="0"/>
+          </a:p>
+        </p:txBody>
+      </p:sp>
+      <p:cxnSp>
+        <p:nvCxnSpPr>
+          <p:cNvPr id="15" name="Straight Connector 14"/>
+          <p:cNvCxnSpPr>
+            <a:stCxn id="2" idx="3"/>
+            <a:endCxn id="22" idx="2"/>
+          </p:cNvCxnSpPr>
+          <p:nvPr/>
+        </p:nvCxnSpPr>
+        <p:spPr>
+          <a:xfrm>
+            <a:off x="5424527" y="1600200"/>
+            <a:ext cx="958820" cy="392082"/>
           </a:xfrm>
           <a:prstGeom prst="line">
             <a:avLst/>
